--- a/Fifohazana/Fifohazana 324 tsy misy soa azo .pptx
+++ b/Fifohazana/Fifohazana 324 tsy misy soa azo .pptx
@@ -111,6 +111,22 @@
       </a:defRPr>
     </a:lvl9pPr>
   </p:defaultTextStyle>
+  <p:extLst>
+    <p:ext uri="{EFAFB233-063F-42B5-8137-9DF3F51BA10A}">
+      <p15:sldGuideLst xmlns:p15="http://schemas.microsoft.com/office/powerpoint/2012/main">
+        <p15:guide id="1" orient="horz" pos="1620">
+          <p15:clr>
+            <a:srgbClr val="A4A3A4"/>
+          </p15:clr>
+        </p15:guide>
+        <p15:guide id="2" pos="2880">
+          <p15:clr>
+            <a:srgbClr val="A4A3A4"/>
+          </p15:clr>
+        </p15:guide>
+      </p15:sldGuideLst>
+    </p:ext>
+  </p:extLst>
 </p:presentation>
 </file>
 
@@ -152,10 +168,9 @@
           <a:lstStyle/>
           <a:p>
             <a:r>
-              <a:rPr lang="fr-FR" smtClean="0"/>
+              <a:rPr lang="fr-FR"/>
               <a:t>Cliquez pour modifier le style du titre</a:t>
             </a:r>
-            <a:endParaRPr lang="fr-FR"/>
           </a:p>
         </p:txBody>
       </p:sp>
@@ -271,10 +286,9 @@
           </a:lstStyle>
           <a:p>
             <a:r>
-              <a:rPr lang="fr-FR" smtClean="0"/>
+              <a:rPr lang="fr-FR"/>
               <a:t>Cliquez pour modifier le style des sous-titres du masque</a:t>
             </a:r>
-            <a:endParaRPr lang="fr-FR"/>
           </a:p>
         </p:txBody>
       </p:sp>
@@ -296,7 +310,7 @@
             <a:fld id="{E1E9137A-D7C1-4F8C-A62B-C89ADD9F06F3}" type="datetimeFigureOut">
               <a:rPr lang="fr-FR" smtClean="0"/>
               <a:pPr/>
-              <a:t>23/07/2014</a:t>
+              <a:t>11/06/2023</a:t>
             </a:fld>
             <a:endParaRPr lang="fr-FR"/>
           </a:p>
@@ -386,10 +400,9 @@
           <a:lstStyle/>
           <a:p>
             <a:r>
-              <a:rPr lang="fr-FR" smtClean="0"/>
+              <a:rPr lang="fr-FR"/>
               <a:t>Cliquez pour modifier le style du titre</a:t>
             </a:r>
-            <a:endParaRPr lang="fr-FR"/>
           </a:p>
         </p:txBody>
       </p:sp>
@@ -410,38 +423,37 @@
           <a:p>
             <a:pPr lvl="0"/>
             <a:r>
-              <a:rPr lang="fr-FR" smtClean="0"/>
+              <a:rPr lang="fr-FR"/>
               <a:t>Cliquez pour modifier les styles du texte du masque</a:t>
             </a:r>
           </a:p>
           <a:p>
             <a:pPr lvl="1"/>
             <a:r>
-              <a:rPr lang="fr-FR" smtClean="0"/>
+              <a:rPr lang="fr-FR"/>
               <a:t>Deuxième niveau</a:t>
             </a:r>
           </a:p>
           <a:p>
             <a:pPr lvl="2"/>
             <a:r>
-              <a:rPr lang="fr-FR" smtClean="0"/>
+              <a:rPr lang="fr-FR"/>
               <a:t>Troisième niveau</a:t>
             </a:r>
           </a:p>
           <a:p>
             <a:pPr lvl="3"/>
             <a:r>
-              <a:rPr lang="fr-FR" smtClean="0"/>
+              <a:rPr lang="fr-FR"/>
               <a:t>Quatrième niveau</a:t>
             </a:r>
           </a:p>
           <a:p>
             <a:pPr lvl="4"/>
             <a:r>
-              <a:rPr lang="fr-FR" smtClean="0"/>
+              <a:rPr lang="fr-FR"/>
               <a:t>Cinquième niveau</a:t>
             </a:r>
-            <a:endParaRPr lang="fr-FR"/>
           </a:p>
         </p:txBody>
       </p:sp>
@@ -463,7 +475,7 @@
             <a:fld id="{E1E9137A-D7C1-4F8C-A62B-C89ADD9F06F3}" type="datetimeFigureOut">
               <a:rPr lang="fr-FR" smtClean="0"/>
               <a:pPr/>
-              <a:t>23/07/2014</a:t>
+              <a:t>11/06/2023</a:t>
             </a:fld>
             <a:endParaRPr lang="fr-FR"/>
           </a:p>
@@ -558,10 +570,9 @@
           <a:lstStyle/>
           <a:p>
             <a:r>
-              <a:rPr lang="fr-FR" smtClean="0"/>
+              <a:rPr lang="fr-FR"/>
               <a:t>Cliquez pour modifier le style du titre</a:t>
             </a:r>
-            <a:endParaRPr lang="fr-FR"/>
           </a:p>
         </p:txBody>
       </p:sp>
@@ -587,38 +598,37 @@
           <a:p>
             <a:pPr lvl="0"/>
             <a:r>
-              <a:rPr lang="fr-FR" smtClean="0"/>
+              <a:rPr lang="fr-FR"/>
               <a:t>Cliquez pour modifier les styles du texte du masque</a:t>
             </a:r>
           </a:p>
           <a:p>
             <a:pPr lvl="1"/>
             <a:r>
-              <a:rPr lang="fr-FR" smtClean="0"/>
+              <a:rPr lang="fr-FR"/>
               <a:t>Deuxième niveau</a:t>
             </a:r>
           </a:p>
           <a:p>
             <a:pPr lvl="2"/>
             <a:r>
-              <a:rPr lang="fr-FR" smtClean="0"/>
+              <a:rPr lang="fr-FR"/>
               <a:t>Troisième niveau</a:t>
             </a:r>
           </a:p>
           <a:p>
             <a:pPr lvl="3"/>
             <a:r>
-              <a:rPr lang="fr-FR" smtClean="0"/>
+              <a:rPr lang="fr-FR"/>
               <a:t>Quatrième niveau</a:t>
             </a:r>
           </a:p>
           <a:p>
             <a:pPr lvl="4"/>
             <a:r>
-              <a:rPr lang="fr-FR" smtClean="0"/>
+              <a:rPr lang="fr-FR"/>
               <a:t>Cinquième niveau</a:t>
             </a:r>
-            <a:endParaRPr lang="fr-FR"/>
           </a:p>
         </p:txBody>
       </p:sp>
@@ -640,7 +650,7 @@
             <a:fld id="{E1E9137A-D7C1-4F8C-A62B-C89ADD9F06F3}" type="datetimeFigureOut">
               <a:rPr lang="fr-FR" smtClean="0"/>
               <a:pPr/>
-              <a:t>23/07/2014</a:t>
+              <a:t>11/06/2023</a:t>
             </a:fld>
             <a:endParaRPr lang="fr-FR"/>
           </a:p>
@@ -730,10 +740,9 @@
           <a:lstStyle/>
           <a:p>
             <a:r>
-              <a:rPr lang="fr-FR" smtClean="0"/>
+              <a:rPr lang="fr-FR"/>
               <a:t>Cliquez pour modifier le style du titre</a:t>
             </a:r>
-            <a:endParaRPr lang="fr-FR"/>
           </a:p>
         </p:txBody>
       </p:sp>
@@ -754,38 +763,37 @@
           <a:p>
             <a:pPr lvl="0"/>
             <a:r>
-              <a:rPr lang="fr-FR" smtClean="0"/>
+              <a:rPr lang="fr-FR"/>
               <a:t>Cliquez pour modifier les styles du texte du masque</a:t>
             </a:r>
           </a:p>
           <a:p>
             <a:pPr lvl="1"/>
             <a:r>
-              <a:rPr lang="fr-FR" smtClean="0"/>
+              <a:rPr lang="fr-FR"/>
               <a:t>Deuxième niveau</a:t>
             </a:r>
           </a:p>
           <a:p>
             <a:pPr lvl="2"/>
             <a:r>
-              <a:rPr lang="fr-FR" smtClean="0"/>
+              <a:rPr lang="fr-FR"/>
               <a:t>Troisième niveau</a:t>
             </a:r>
           </a:p>
           <a:p>
             <a:pPr lvl="3"/>
             <a:r>
-              <a:rPr lang="fr-FR" smtClean="0"/>
+              <a:rPr lang="fr-FR"/>
               <a:t>Quatrième niveau</a:t>
             </a:r>
           </a:p>
           <a:p>
             <a:pPr lvl="4"/>
             <a:r>
-              <a:rPr lang="fr-FR" smtClean="0"/>
+              <a:rPr lang="fr-FR"/>
               <a:t>Cinquième niveau</a:t>
             </a:r>
-            <a:endParaRPr lang="fr-FR"/>
           </a:p>
         </p:txBody>
       </p:sp>
@@ -807,7 +815,7 @@
             <a:fld id="{E1E9137A-D7C1-4F8C-A62B-C89ADD9F06F3}" type="datetimeFigureOut">
               <a:rPr lang="fr-FR" smtClean="0"/>
               <a:pPr/>
-              <a:t>23/07/2014</a:t>
+              <a:t>11/06/2023</a:t>
             </a:fld>
             <a:endParaRPr lang="fr-FR"/>
           </a:p>
@@ -906,10 +914,9 @@
           </a:lstStyle>
           <a:p>
             <a:r>
-              <a:rPr lang="fr-FR" smtClean="0"/>
+              <a:rPr lang="fr-FR"/>
               <a:t>Cliquez pour modifier le style du titre</a:t>
             </a:r>
-            <a:endParaRPr lang="fr-FR"/>
           </a:p>
         </p:txBody>
       </p:sp>
@@ -1026,7 +1033,7 @@
           <a:p>
             <a:pPr lvl="0"/>
             <a:r>
-              <a:rPr lang="fr-FR" smtClean="0"/>
+              <a:rPr lang="fr-FR"/>
               <a:t>Cliquez pour modifier les styles du texte du masque</a:t>
             </a:r>
           </a:p>
@@ -1050,7 +1057,7 @@
             <a:fld id="{E1E9137A-D7C1-4F8C-A62B-C89ADD9F06F3}" type="datetimeFigureOut">
               <a:rPr lang="fr-FR" smtClean="0"/>
               <a:pPr/>
-              <a:t>23/07/2014</a:t>
+              <a:t>11/06/2023</a:t>
             </a:fld>
             <a:endParaRPr lang="fr-FR"/>
           </a:p>
@@ -1140,10 +1147,9 @@
           <a:lstStyle/>
           <a:p>
             <a:r>
-              <a:rPr lang="fr-FR" smtClean="0"/>
+              <a:rPr lang="fr-FR"/>
               <a:t>Cliquez pour modifier le style du titre</a:t>
             </a:r>
-            <a:endParaRPr lang="fr-FR"/>
           </a:p>
         </p:txBody>
       </p:sp>
@@ -1197,38 +1203,37 @@
           <a:p>
             <a:pPr lvl="0"/>
             <a:r>
-              <a:rPr lang="fr-FR" smtClean="0"/>
+              <a:rPr lang="fr-FR"/>
               <a:t>Cliquez pour modifier les styles du texte du masque</a:t>
             </a:r>
           </a:p>
           <a:p>
             <a:pPr lvl="1"/>
             <a:r>
-              <a:rPr lang="fr-FR" smtClean="0"/>
+              <a:rPr lang="fr-FR"/>
               <a:t>Deuxième niveau</a:t>
             </a:r>
           </a:p>
           <a:p>
             <a:pPr lvl="2"/>
             <a:r>
-              <a:rPr lang="fr-FR" smtClean="0"/>
+              <a:rPr lang="fr-FR"/>
               <a:t>Troisième niveau</a:t>
             </a:r>
           </a:p>
           <a:p>
             <a:pPr lvl="3"/>
             <a:r>
-              <a:rPr lang="fr-FR" smtClean="0"/>
+              <a:rPr lang="fr-FR"/>
               <a:t>Quatrième niveau</a:t>
             </a:r>
           </a:p>
           <a:p>
             <a:pPr lvl="4"/>
             <a:r>
-              <a:rPr lang="fr-FR" smtClean="0"/>
+              <a:rPr lang="fr-FR"/>
               <a:t>Cinquième niveau</a:t>
             </a:r>
-            <a:endParaRPr lang="fr-FR"/>
           </a:p>
         </p:txBody>
       </p:sp>
@@ -1282,38 +1287,37 @@
           <a:p>
             <a:pPr lvl="0"/>
             <a:r>
-              <a:rPr lang="fr-FR" smtClean="0"/>
+              <a:rPr lang="fr-FR"/>
               <a:t>Cliquez pour modifier les styles du texte du masque</a:t>
             </a:r>
           </a:p>
           <a:p>
             <a:pPr lvl="1"/>
             <a:r>
-              <a:rPr lang="fr-FR" smtClean="0"/>
+              <a:rPr lang="fr-FR"/>
               <a:t>Deuxième niveau</a:t>
             </a:r>
           </a:p>
           <a:p>
             <a:pPr lvl="2"/>
             <a:r>
-              <a:rPr lang="fr-FR" smtClean="0"/>
+              <a:rPr lang="fr-FR"/>
               <a:t>Troisième niveau</a:t>
             </a:r>
           </a:p>
           <a:p>
             <a:pPr lvl="3"/>
             <a:r>
-              <a:rPr lang="fr-FR" smtClean="0"/>
+              <a:rPr lang="fr-FR"/>
               <a:t>Quatrième niveau</a:t>
             </a:r>
           </a:p>
           <a:p>
             <a:pPr lvl="4"/>
             <a:r>
-              <a:rPr lang="fr-FR" smtClean="0"/>
+              <a:rPr lang="fr-FR"/>
               <a:t>Cinquième niveau</a:t>
             </a:r>
-            <a:endParaRPr lang="fr-FR"/>
           </a:p>
         </p:txBody>
       </p:sp>
@@ -1335,7 +1339,7 @@
             <a:fld id="{E1E9137A-D7C1-4F8C-A62B-C89ADD9F06F3}" type="datetimeFigureOut">
               <a:rPr lang="fr-FR" smtClean="0"/>
               <a:pPr/>
-              <a:t>23/07/2014</a:t>
+              <a:t>11/06/2023</a:t>
             </a:fld>
             <a:endParaRPr lang="fr-FR"/>
           </a:p>
@@ -1429,10 +1433,9 @@
           </a:lstStyle>
           <a:p>
             <a:r>
-              <a:rPr lang="fr-FR" smtClean="0"/>
+              <a:rPr lang="fr-FR"/>
               <a:t>Cliquez pour modifier le style du titre</a:t>
             </a:r>
-            <a:endParaRPr lang="fr-FR"/>
           </a:p>
         </p:txBody>
       </p:sp>
@@ -1495,7 +1498,7 @@
           <a:p>
             <a:pPr lvl="0"/>
             <a:r>
-              <a:rPr lang="fr-FR" smtClean="0"/>
+              <a:rPr lang="fr-FR"/>
               <a:t>Cliquez pour modifier les styles du texte du masque</a:t>
             </a:r>
           </a:p>
@@ -1551,38 +1554,37 @@
           <a:p>
             <a:pPr lvl="0"/>
             <a:r>
-              <a:rPr lang="fr-FR" smtClean="0"/>
+              <a:rPr lang="fr-FR"/>
               <a:t>Cliquez pour modifier les styles du texte du masque</a:t>
             </a:r>
           </a:p>
           <a:p>
             <a:pPr lvl="1"/>
             <a:r>
-              <a:rPr lang="fr-FR" smtClean="0"/>
+              <a:rPr lang="fr-FR"/>
               <a:t>Deuxième niveau</a:t>
             </a:r>
           </a:p>
           <a:p>
             <a:pPr lvl="2"/>
             <a:r>
-              <a:rPr lang="fr-FR" smtClean="0"/>
+              <a:rPr lang="fr-FR"/>
               <a:t>Troisième niveau</a:t>
             </a:r>
           </a:p>
           <a:p>
             <a:pPr lvl="3"/>
             <a:r>
-              <a:rPr lang="fr-FR" smtClean="0"/>
+              <a:rPr lang="fr-FR"/>
               <a:t>Quatrième niveau</a:t>
             </a:r>
           </a:p>
           <a:p>
             <a:pPr lvl="4"/>
             <a:r>
-              <a:rPr lang="fr-FR" smtClean="0"/>
+              <a:rPr lang="fr-FR"/>
               <a:t>Cinquième niveau</a:t>
             </a:r>
-            <a:endParaRPr lang="fr-FR"/>
           </a:p>
         </p:txBody>
       </p:sp>
@@ -1645,7 +1647,7 @@
           <a:p>
             <a:pPr lvl="0"/>
             <a:r>
-              <a:rPr lang="fr-FR" smtClean="0"/>
+              <a:rPr lang="fr-FR"/>
               <a:t>Cliquez pour modifier les styles du texte du masque</a:t>
             </a:r>
           </a:p>
@@ -1701,38 +1703,37 @@
           <a:p>
             <a:pPr lvl="0"/>
             <a:r>
-              <a:rPr lang="fr-FR" smtClean="0"/>
+              <a:rPr lang="fr-FR"/>
               <a:t>Cliquez pour modifier les styles du texte du masque</a:t>
             </a:r>
           </a:p>
           <a:p>
             <a:pPr lvl="1"/>
             <a:r>
-              <a:rPr lang="fr-FR" smtClean="0"/>
+              <a:rPr lang="fr-FR"/>
               <a:t>Deuxième niveau</a:t>
             </a:r>
           </a:p>
           <a:p>
             <a:pPr lvl="2"/>
             <a:r>
-              <a:rPr lang="fr-FR" smtClean="0"/>
+              <a:rPr lang="fr-FR"/>
               <a:t>Troisième niveau</a:t>
             </a:r>
           </a:p>
           <a:p>
             <a:pPr lvl="3"/>
             <a:r>
-              <a:rPr lang="fr-FR" smtClean="0"/>
+              <a:rPr lang="fr-FR"/>
               <a:t>Quatrième niveau</a:t>
             </a:r>
           </a:p>
           <a:p>
             <a:pPr lvl="4"/>
             <a:r>
-              <a:rPr lang="fr-FR" smtClean="0"/>
+              <a:rPr lang="fr-FR"/>
               <a:t>Cinquième niveau</a:t>
             </a:r>
-            <a:endParaRPr lang="fr-FR"/>
           </a:p>
         </p:txBody>
       </p:sp>
@@ -1754,7 +1755,7 @@
             <a:fld id="{E1E9137A-D7C1-4F8C-A62B-C89ADD9F06F3}" type="datetimeFigureOut">
               <a:rPr lang="fr-FR" smtClean="0"/>
               <a:pPr/>
-              <a:t>23/07/2014</a:t>
+              <a:t>11/06/2023</a:t>
             </a:fld>
             <a:endParaRPr lang="fr-FR"/>
           </a:p>
@@ -1844,10 +1845,9 @@
           <a:lstStyle/>
           <a:p>
             <a:r>
-              <a:rPr lang="fr-FR" smtClean="0"/>
+              <a:rPr lang="fr-FR"/>
               <a:t>Cliquez pour modifier le style du titre</a:t>
             </a:r>
-            <a:endParaRPr lang="fr-FR"/>
           </a:p>
         </p:txBody>
       </p:sp>
@@ -1869,7 +1869,7 @@
             <a:fld id="{E1E9137A-D7C1-4F8C-A62B-C89ADD9F06F3}" type="datetimeFigureOut">
               <a:rPr lang="fr-FR" smtClean="0"/>
               <a:pPr/>
-              <a:t>23/07/2014</a:t>
+              <a:t>11/06/2023</a:t>
             </a:fld>
             <a:endParaRPr lang="fr-FR"/>
           </a:p>
@@ -1961,7 +1961,7 @@
             <a:fld id="{E1E9137A-D7C1-4F8C-A62B-C89ADD9F06F3}" type="datetimeFigureOut">
               <a:rPr lang="fr-FR" smtClean="0"/>
               <a:pPr/>
-              <a:t>23/07/2014</a:t>
+              <a:t>11/06/2023</a:t>
             </a:fld>
             <a:endParaRPr lang="fr-FR"/>
           </a:p>
@@ -2060,10 +2060,9 @@
           </a:lstStyle>
           <a:p>
             <a:r>
-              <a:rPr lang="fr-FR" smtClean="0"/>
+              <a:rPr lang="fr-FR"/>
               <a:t>Cliquez pour modifier le style du titre</a:t>
             </a:r>
-            <a:endParaRPr lang="fr-FR"/>
           </a:p>
         </p:txBody>
       </p:sp>
@@ -2117,38 +2116,37 @@
           <a:p>
             <a:pPr lvl="0"/>
             <a:r>
-              <a:rPr lang="fr-FR" smtClean="0"/>
+              <a:rPr lang="fr-FR"/>
               <a:t>Cliquez pour modifier les styles du texte du masque</a:t>
             </a:r>
           </a:p>
           <a:p>
             <a:pPr lvl="1"/>
             <a:r>
-              <a:rPr lang="fr-FR" smtClean="0"/>
+              <a:rPr lang="fr-FR"/>
               <a:t>Deuxième niveau</a:t>
             </a:r>
           </a:p>
           <a:p>
             <a:pPr lvl="2"/>
             <a:r>
-              <a:rPr lang="fr-FR" smtClean="0"/>
+              <a:rPr lang="fr-FR"/>
               <a:t>Troisième niveau</a:t>
             </a:r>
           </a:p>
           <a:p>
             <a:pPr lvl="3"/>
             <a:r>
-              <a:rPr lang="fr-FR" smtClean="0"/>
+              <a:rPr lang="fr-FR"/>
               <a:t>Quatrième niveau</a:t>
             </a:r>
           </a:p>
           <a:p>
             <a:pPr lvl="4"/>
             <a:r>
-              <a:rPr lang="fr-FR" smtClean="0"/>
+              <a:rPr lang="fr-FR"/>
               <a:t>Cinquième niveau</a:t>
             </a:r>
-            <a:endParaRPr lang="fr-FR"/>
           </a:p>
         </p:txBody>
       </p:sp>
@@ -2211,7 +2209,7 @@
           <a:p>
             <a:pPr lvl="0"/>
             <a:r>
-              <a:rPr lang="fr-FR" smtClean="0"/>
+              <a:rPr lang="fr-FR"/>
               <a:t>Cliquez pour modifier les styles du texte du masque</a:t>
             </a:r>
           </a:p>
@@ -2235,7 +2233,7 @@
             <a:fld id="{E1E9137A-D7C1-4F8C-A62B-C89ADD9F06F3}" type="datetimeFigureOut">
               <a:rPr lang="fr-FR" smtClean="0"/>
               <a:pPr/>
-              <a:t>23/07/2014</a:t>
+              <a:t>11/06/2023</a:t>
             </a:fld>
             <a:endParaRPr lang="fr-FR"/>
           </a:p>
@@ -2334,10 +2332,9 @@
           </a:lstStyle>
           <a:p>
             <a:r>
-              <a:rPr lang="fr-FR" smtClean="0"/>
+              <a:rPr lang="fr-FR"/>
               <a:t>Cliquez pour modifier le style du titre</a:t>
             </a:r>
-            <a:endParaRPr lang="fr-FR"/>
           </a:p>
         </p:txBody>
       </p:sp>
@@ -2461,7 +2458,7 @@
           <a:p>
             <a:pPr lvl="0"/>
             <a:r>
-              <a:rPr lang="fr-FR" smtClean="0"/>
+              <a:rPr lang="fr-FR"/>
               <a:t>Cliquez pour modifier les styles du texte du masque</a:t>
             </a:r>
           </a:p>
@@ -2485,7 +2482,7 @@
             <a:fld id="{E1E9137A-D7C1-4F8C-A62B-C89ADD9F06F3}" type="datetimeFigureOut">
               <a:rPr lang="fr-FR" smtClean="0"/>
               <a:pPr/>
-              <a:t>23/07/2014</a:t>
+              <a:t>11/06/2023</a:t>
             </a:fld>
             <a:endParaRPr lang="fr-FR"/>
           </a:p>
@@ -2595,10 +2592,9 @@
           <a:lstStyle/>
           <a:p>
             <a:r>
-              <a:rPr lang="fr-FR" smtClean="0"/>
+              <a:rPr lang="fr-FR"/>
               <a:t>Cliquez pour modifier le style du titre</a:t>
             </a:r>
-            <a:endParaRPr lang="fr-FR"/>
           </a:p>
         </p:txBody>
       </p:sp>
@@ -2629,38 +2625,37 @@
           <a:p>
             <a:pPr lvl="0"/>
             <a:r>
-              <a:rPr lang="fr-FR" smtClean="0"/>
+              <a:rPr lang="fr-FR"/>
               <a:t>Cliquez pour modifier les styles du texte du masque</a:t>
             </a:r>
           </a:p>
           <a:p>
             <a:pPr lvl="1"/>
             <a:r>
-              <a:rPr lang="fr-FR" smtClean="0"/>
+              <a:rPr lang="fr-FR"/>
               <a:t>Deuxième niveau</a:t>
             </a:r>
           </a:p>
           <a:p>
             <a:pPr lvl="2"/>
             <a:r>
-              <a:rPr lang="fr-FR" smtClean="0"/>
+              <a:rPr lang="fr-FR"/>
               <a:t>Troisième niveau</a:t>
             </a:r>
           </a:p>
           <a:p>
             <a:pPr lvl="3"/>
             <a:r>
-              <a:rPr lang="fr-FR" smtClean="0"/>
+              <a:rPr lang="fr-FR"/>
               <a:t>Quatrième niveau</a:t>
             </a:r>
           </a:p>
           <a:p>
             <a:pPr lvl="4"/>
             <a:r>
-              <a:rPr lang="fr-FR" smtClean="0"/>
+              <a:rPr lang="fr-FR"/>
               <a:t>Cinquième niveau</a:t>
             </a:r>
-            <a:endParaRPr lang="fr-FR"/>
           </a:p>
         </p:txBody>
       </p:sp>
@@ -2700,7 +2695,7 @@
             <a:fld id="{E1E9137A-D7C1-4F8C-A62B-C89ADD9F06F3}" type="datetimeFigureOut">
               <a:rPr lang="fr-FR" smtClean="0"/>
               <a:pPr/>
-              <a:t>23/07/2014</a:t>
+              <a:t>11/06/2023</a:t>
             </a:fld>
             <a:endParaRPr lang="fr-FR"/>
           </a:p>
@@ -3094,7 +3089,7 @@
           <a:p>
             <a:pPr algn="ctr"/>
             <a:r>
-              <a:rPr lang="fi-FI" sz="6000" b="1" dirty="0" smtClean="0">
+              <a:rPr lang="fi-FI" sz="6000" b="1" dirty="0">
                 <a:solidFill>
                   <a:srgbClr val="FF0000"/>
                 </a:solidFill>
@@ -3132,7 +3127,7 @@
           <a:p>
             <a:pPr algn="ctr"/>
             <a:r>
-              <a:rPr lang="fi-FI" sz="13800" b="1" dirty="0" smtClean="0">
+              <a:rPr lang="fi-FI" sz="13800" b="1" dirty="0">
                 <a:solidFill>
                   <a:srgbClr val="FF0000"/>
                 </a:solidFill>
@@ -3152,13 +3147,6 @@
   <p:clrMapOvr>
     <a:masterClrMapping/>
   </p:clrMapOvr>
-  <p:timing>
-    <p:tnLst>
-      <p:par>
-        <p:cTn id="1" dur="indefinite" restart="never" nodeType="tmRoot"/>
-      </p:par>
-    </p:tnLst>
-  </p:timing>
 </p:sld>
 </file>
 
@@ -3202,150 +3190,150 @@
           <a:p>
             <a:pPr lvl="0" algn="ctr"/>
             <a:r>
-              <a:rPr lang="en-US" sz="5400" b="1" dirty="0" smtClean="0"/>
+              <a:rPr lang="en-US" sz="5400" b="1" dirty="0"/>
               <a:t>1. </a:t>
             </a:r>
             <a:r>
-              <a:rPr lang="en-US" sz="5400" b="1" dirty="0" err="1" smtClean="0"/>
+              <a:rPr lang="en-US" sz="5400" b="1" dirty="0" err="1"/>
               <a:t>Tsy</a:t>
             </a:r>
             <a:r>
-              <a:rPr lang="en-US" sz="5400" b="1" dirty="0" smtClean="0"/>
-              <a:t> </a:t>
-            </a:r>
-            <a:r>
-              <a:rPr lang="en-US" sz="5400" b="1" dirty="0" err="1" smtClean="0"/>
+              <a:rPr lang="en-US" sz="5400" b="1" dirty="0"/>
+              <a:t> </a:t>
+            </a:r>
+            <a:r>
+              <a:rPr lang="en-US" sz="5400" b="1" dirty="0" err="1"/>
               <a:t>misy</a:t>
             </a:r>
             <a:r>
-              <a:rPr lang="en-US" sz="5400" b="1" dirty="0" smtClean="0"/>
-              <a:t> </a:t>
-            </a:r>
-            <a:r>
-              <a:rPr lang="en-US" sz="5400" b="1" dirty="0" err="1" smtClean="0"/>
+              <a:rPr lang="en-US" sz="5400" b="1" dirty="0"/>
+              <a:t> </a:t>
+            </a:r>
+            <a:r>
+              <a:rPr lang="en-US" sz="5400" b="1" dirty="0" err="1"/>
               <a:t>soa</a:t>
             </a:r>
             <a:r>
-              <a:rPr lang="en-US" sz="5400" b="1" dirty="0" smtClean="0"/>
+              <a:rPr lang="en-US" sz="5400" b="1" dirty="0"/>
               <a:t> ho </a:t>
             </a:r>
             <a:r>
-              <a:rPr lang="en-US" sz="5400" b="1" dirty="0" err="1" smtClean="0"/>
+              <a:rPr lang="en-US" sz="5400" b="1" dirty="0" err="1"/>
               <a:t>ahy</a:t>
             </a:r>
             <a:r>
-              <a:rPr lang="en-US" sz="5400" b="1" dirty="0" smtClean="0"/>
-              <a:t> </a:t>
-            </a:r>
-            <a:r>
-              <a:rPr lang="en-US" sz="5400" b="1" dirty="0" err="1" smtClean="0"/>
+              <a:rPr lang="en-US" sz="5400" b="1" dirty="0"/>
+              <a:t> </a:t>
+            </a:r>
+            <a:r>
+              <a:rPr lang="en-US" sz="5400" b="1" dirty="0" err="1"/>
               <a:t>afa-tsy</a:t>
             </a:r>
             <a:r>
-              <a:rPr lang="en-US" sz="5400" b="1" dirty="0" smtClean="0"/>
-              <a:t> </a:t>
-            </a:r>
-            <a:r>
-              <a:rPr lang="en-US" sz="5400" b="1" dirty="0" err="1" smtClean="0"/>
+              <a:rPr lang="en-US" sz="5400" b="1" dirty="0"/>
+              <a:t> </a:t>
+            </a:r>
+            <a:r>
+              <a:rPr lang="en-US" sz="5400" b="1" dirty="0" err="1"/>
               <a:t>Jeso</a:t>
             </a:r>
-            <a:endParaRPr lang="fr-FR" sz="5400" b="1" dirty="0" smtClean="0"/>
+            <a:endParaRPr lang="fr-FR" sz="5400" b="1" dirty="0"/>
           </a:p>
           <a:p>
             <a:pPr algn="ctr"/>
             <a:r>
-              <a:rPr lang="en-US" sz="5400" b="1" dirty="0" err="1" smtClean="0"/>
+              <a:rPr lang="en-US" sz="5400" b="1" dirty="0" err="1"/>
               <a:t>Nafoiko</a:t>
             </a:r>
             <a:r>
-              <a:rPr lang="en-US" sz="5400" b="1" dirty="0" smtClean="0"/>
-              <a:t> </a:t>
-            </a:r>
-            <a:r>
-              <a:rPr lang="en-US" sz="5400" b="1" dirty="0" err="1" smtClean="0"/>
+              <a:rPr lang="en-US" sz="5400" b="1" dirty="0"/>
+              <a:t> </a:t>
+            </a:r>
+            <a:r>
+              <a:rPr lang="en-US" sz="5400" b="1" dirty="0" err="1"/>
               <a:t>ny</a:t>
             </a:r>
             <a:r>
-              <a:rPr lang="en-US" sz="5400" b="1" dirty="0" smtClean="0"/>
-              <a:t> </a:t>
-            </a:r>
-            <a:r>
-              <a:rPr lang="en-US" sz="5400" b="1" dirty="0" err="1" smtClean="0"/>
+              <a:rPr lang="en-US" sz="5400" b="1" dirty="0"/>
+              <a:t> </a:t>
+            </a:r>
+            <a:r>
+              <a:rPr lang="en-US" sz="5400" b="1" dirty="0" err="1"/>
               <a:t>haren’ny</a:t>
             </a:r>
             <a:r>
-              <a:rPr lang="en-US" sz="5400" b="1" dirty="0" smtClean="0"/>
-              <a:t> </a:t>
-            </a:r>
-            <a:r>
-              <a:rPr lang="en-US" sz="5400" b="1" dirty="0" err="1" smtClean="0"/>
+              <a:rPr lang="en-US" sz="5400" b="1" dirty="0"/>
+              <a:t> </a:t>
+            </a:r>
+            <a:r>
+              <a:rPr lang="en-US" sz="5400" b="1" dirty="0" err="1"/>
               <a:t>tany</a:t>
             </a:r>
-            <a:endParaRPr lang="fr-FR" sz="5400" b="1" dirty="0" smtClean="0"/>
+            <a:endParaRPr lang="fr-FR" sz="5400" b="1" dirty="0"/>
           </a:p>
           <a:p>
             <a:pPr algn="ctr"/>
             <a:r>
-              <a:rPr lang="en-US" sz="5400" b="1" dirty="0" err="1" smtClean="0"/>
+              <a:rPr lang="en-US" sz="5400" b="1" dirty="0" err="1"/>
               <a:t>Manankarena</a:t>
             </a:r>
             <a:r>
-              <a:rPr lang="en-US" sz="5400" b="1" dirty="0" smtClean="0"/>
-              <a:t> </a:t>
-            </a:r>
-            <a:r>
-              <a:rPr lang="en-US" sz="5400" b="1" dirty="0" err="1" smtClean="0"/>
+              <a:rPr lang="en-US" sz="5400" b="1" dirty="0"/>
+              <a:t> </a:t>
+            </a:r>
+            <a:r>
+              <a:rPr lang="en-US" sz="5400" b="1" dirty="0" err="1"/>
               <a:t>aho</a:t>
             </a:r>
             <a:r>
-              <a:rPr lang="en-US" sz="5400" b="1" dirty="0" smtClean="0"/>
-              <a:t> </a:t>
-            </a:r>
-            <a:r>
-              <a:rPr lang="en-US" sz="5400" b="1" dirty="0" err="1" smtClean="0"/>
+              <a:rPr lang="en-US" sz="5400" b="1" dirty="0"/>
+              <a:t> </a:t>
+            </a:r>
+            <a:r>
+              <a:rPr lang="en-US" sz="5400" b="1" dirty="0" err="1"/>
               <a:t>nahita</a:t>
             </a:r>
             <a:r>
-              <a:rPr lang="en-US" sz="5400" b="1" dirty="0" smtClean="0"/>
-              <a:t> </a:t>
-            </a:r>
-            <a:r>
-              <a:rPr lang="en-US" sz="5400" b="1" dirty="0" err="1" smtClean="0"/>
+              <a:rPr lang="en-US" sz="5400" b="1" dirty="0"/>
+              <a:t> </a:t>
+            </a:r>
+            <a:r>
+              <a:rPr lang="en-US" sz="5400" b="1" dirty="0" err="1"/>
               <a:t>Azy</a:t>
             </a:r>
-            <a:endParaRPr lang="fr-FR" sz="5400" b="1" dirty="0" smtClean="0"/>
+            <a:endParaRPr lang="fr-FR" sz="5400" b="1" dirty="0"/>
           </a:p>
           <a:p>
             <a:pPr algn="ctr"/>
             <a:r>
-              <a:rPr lang="en-US" sz="5400" b="1" dirty="0" err="1" smtClean="0"/>
+              <a:rPr lang="en-US" sz="5400" b="1" dirty="0" err="1"/>
               <a:t>Faly</a:t>
             </a:r>
             <a:r>
-              <a:rPr lang="en-US" sz="5400" b="1" dirty="0" smtClean="0"/>
-              <a:t> </a:t>
-            </a:r>
-            <a:r>
-              <a:rPr lang="en-US" sz="5400" b="1" dirty="0" err="1" smtClean="0"/>
+              <a:rPr lang="en-US" sz="5400" b="1" dirty="0"/>
+              <a:t> </a:t>
+            </a:r>
+            <a:r>
+              <a:rPr lang="en-US" sz="5400" b="1" dirty="0" err="1"/>
               <a:t>ao</a:t>
             </a:r>
             <a:r>
-              <a:rPr lang="en-US" sz="5400" b="1" dirty="0" smtClean="0"/>
-              <a:t> </a:t>
-            </a:r>
-            <a:r>
-              <a:rPr lang="en-US" sz="5400" b="1" dirty="0" err="1" smtClean="0"/>
+              <a:rPr lang="en-US" sz="5400" b="1" dirty="0"/>
+              <a:t> </a:t>
+            </a:r>
+            <a:r>
+              <a:rPr lang="en-US" sz="5400" b="1" dirty="0" err="1"/>
               <a:t>Aminy</a:t>
             </a:r>
             <a:r>
-              <a:rPr lang="en-US" sz="5400" b="1" dirty="0" smtClean="0"/>
+              <a:rPr lang="en-US" sz="5400" b="1" dirty="0"/>
               <a:t> re </a:t>
             </a:r>
             <a:r>
-              <a:rPr lang="en-US" sz="5400" b="1" dirty="0" err="1" smtClean="0"/>
+              <a:rPr lang="en-US" sz="5400" b="1" dirty="0" err="1"/>
               <a:t>aho</a:t>
             </a:r>
-            <a:endParaRPr lang="en-US" sz="5400" b="1" dirty="0" smtClean="0"/>
+            <a:endParaRPr lang="en-US" sz="5400" b="1" dirty="0"/>
           </a:p>
         </p:txBody>
       </p:sp>
@@ -3354,13 +3342,6 @@
   <p:clrMapOvr>
     <a:masterClrMapping/>
   </p:clrMapOvr>
-  <p:timing>
-    <p:tnLst>
-      <p:par>
-        <p:cTn id="1" dur="indefinite" restart="never" nodeType="tmRoot"/>
-      </p:par>
-    </p:tnLst>
-  </p:timing>
 </p:sld>
 </file>
 
@@ -3404,258 +3385,130 @@
           <a:p>
             <a:pPr algn="ctr"/>
             <a:r>
-              <a:rPr lang="en-US" sz="6000" b="1" i="1" dirty="0" err="1" smtClean="0">
-                <a:solidFill>
-                  <a:srgbClr val="FF0000"/>
-                </a:solidFill>
-              </a:rPr>
+              <a:rPr lang="en-US" sz="6000" b="1" i="1" dirty="0" err="1"/>
               <a:t>Faly</a:t>
             </a:r>
             <a:r>
-              <a:rPr lang="en-US" sz="6000" b="1" i="1" dirty="0" smtClean="0">
-                <a:solidFill>
-                  <a:srgbClr val="FF0000"/>
-                </a:solidFill>
-              </a:rPr>
-              <a:t> </a:t>
-            </a:r>
-            <a:r>
-              <a:rPr lang="en-US" sz="6000" b="1" i="1" dirty="0" err="1" smtClean="0">
-                <a:solidFill>
-                  <a:srgbClr val="FF0000"/>
-                </a:solidFill>
-              </a:rPr>
+              <a:rPr lang="en-US" sz="6000" b="1" i="1" dirty="0"/>
+              <a:t> </a:t>
+            </a:r>
+            <a:r>
+              <a:rPr lang="en-US" sz="6000" b="1" i="1" dirty="0" err="1"/>
               <a:t>aho</a:t>
             </a:r>
             <a:r>
-              <a:rPr lang="en-US" sz="6000" b="1" i="1" dirty="0" smtClean="0">
-                <a:solidFill>
-                  <a:srgbClr val="FF0000"/>
-                </a:solidFill>
-              </a:rPr>
-              <a:t> </a:t>
-            </a:r>
-            <a:r>
-              <a:rPr lang="en-US" sz="6000" b="1" i="1" dirty="0" err="1" smtClean="0">
-                <a:solidFill>
-                  <a:srgbClr val="FF0000"/>
-                </a:solidFill>
-              </a:rPr>
+              <a:rPr lang="en-US" sz="6000" b="1" i="1" dirty="0"/>
+              <a:t> </a:t>
+            </a:r>
+            <a:r>
+              <a:rPr lang="en-US" sz="6000" b="1" i="1" dirty="0" err="1"/>
               <a:t>miarak’aminy</a:t>
             </a:r>
-            <a:endParaRPr lang="fr-FR" sz="6000" b="1" i="1" dirty="0" smtClean="0">
-              <a:solidFill>
-                <a:srgbClr val="FF0000"/>
-              </a:solidFill>
-            </a:endParaRPr>
+            <a:endParaRPr lang="fr-FR" sz="6000" b="1" i="1" dirty="0"/>
           </a:p>
           <a:p>
             <a:pPr algn="ctr"/>
             <a:r>
-              <a:rPr lang="en-US" sz="6000" b="1" i="1" dirty="0" err="1" smtClean="0">
-                <a:solidFill>
-                  <a:srgbClr val="FF0000"/>
-                </a:solidFill>
-              </a:rPr>
+              <a:rPr lang="en-US" sz="6000" b="1" i="1" dirty="0" err="1"/>
               <a:t>Jesosy</a:t>
             </a:r>
             <a:r>
-              <a:rPr lang="en-US" sz="6000" b="1" i="1" dirty="0" smtClean="0">
-                <a:solidFill>
-                  <a:srgbClr val="FF0000"/>
-                </a:solidFill>
-              </a:rPr>
-              <a:t> </a:t>
-            </a:r>
-            <a:r>
-              <a:rPr lang="en-US" sz="6000" b="1" i="1" dirty="0" err="1" smtClean="0">
-                <a:solidFill>
-                  <a:srgbClr val="FF0000"/>
-                </a:solidFill>
-              </a:rPr>
+              <a:rPr lang="en-US" sz="6000" b="1" i="1" dirty="0"/>
+              <a:t> </a:t>
+            </a:r>
+            <a:r>
+              <a:rPr lang="en-US" sz="6000" b="1" i="1" dirty="0" err="1"/>
               <a:t>tokana</a:t>
             </a:r>
             <a:r>
-              <a:rPr lang="en-US" sz="6000" b="1" i="1" dirty="0" smtClean="0">
-                <a:solidFill>
-                  <a:srgbClr val="FF0000"/>
-                </a:solidFill>
-              </a:rPr>
-              <a:t> </a:t>
-            </a:r>
-            <a:r>
-              <a:rPr lang="en-US" sz="6000" b="1" i="1" dirty="0" err="1" smtClean="0">
-                <a:solidFill>
-                  <a:srgbClr val="FF0000"/>
-                </a:solidFill>
-              </a:rPr>
+              <a:rPr lang="en-US" sz="6000" b="1" i="1" dirty="0"/>
+              <a:t> </a:t>
+            </a:r>
+            <a:r>
+              <a:rPr lang="en-US" sz="6000" b="1" i="1" dirty="0" err="1"/>
               <a:t>ihany</a:t>
             </a:r>
-            <a:endParaRPr lang="fr-FR" sz="6000" b="1" i="1" dirty="0" smtClean="0">
-              <a:solidFill>
-                <a:srgbClr val="FF0000"/>
-              </a:solidFill>
-            </a:endParaRPr>
+            <a:endParaRPr lang="fr-FR" sz="6000" b="1" i="1" dirty="0"/>
           </a:p>
           <a:p>
             <a:pPr algn="ctr"/>
             <a:r>
-              <a:rPr lang="en-US" sz="6000" b="1" i="1" dirty="0" smtClean="0">
-                <a:solidFill>
-                  <a:srgbClr val="FF0000"/>
-                </a:solidFill>
-              </a:rPr>
+              <a:rPr lang="en-US" sz="6000" b="1" i="1" dirty="0"/>
               <a:t>Na </a:t>
             </a:r>
             <a:r>
-              <a:rPr lang="en-US" sz="6000" b="1" i="1" dirty="0" err="1" smtClean="0">
-                <a:solidFill>
-                  <a:srgbClr val="FF0000"/>
-                </a:solidFill>
-              </a:rPr>
+              <a:rPr lang="en-US" sz="6000" b="1" i="1" dirty="0" err="1"/>
               <a:t>dia</a:t>
             </a:r>
             <a:r>
-              <a:rPr lang="en-US" sz="6000" b="1" i="1" dirty="0" smtClean="0">
-                <a:solidFill>
-                  <a:srgbClr val="FF0000"/>
-                </a:solidFill>
-              </a:rPr>
-              <a:t> </a:t>
-            </a:r>
-            <a:r>
-              <a:rPr lang="en-US" sz="6000" b="1" i="1" dirty="0" err="1" smtClean="0">
-                <a:solidFill>
-                  <a:srgbClr val="FF0000"/>
-                </a:solidFill>
-              </a:rPr>
+              <a:rPr lang="en-US" sz="6000" b="1" i="1" dirty="0"/>
+              <a:t> </a:t>
+            </a:r>
+            <a:r>
+              <a:rPr lang="en-US" sz="6000" b="1" i="1" dirty="0" err="1"/>
               <a:t>mahantra</a:t>
             </a:r>
             <a:r>
-              <a:rPr lang="en-US" sz="6000" b="1" i="1" dirty="0" smtClean="0">
-                <a:solidFill>
-                  <a:srgbClr val="FF0000"/>
-                </a:solidFill>
-              </a:rPr>
-              <a:t> </a:t>
-            </a:r>
-            <a:r>
-              <a:rPr lang="en-US" sz="6000" b="1" i="1" dirty="0" err="1" smtClean="0">
-                <a:solidFill>
-                  <a:srgbClr val="FF0000"/>
-                </a:solidFill>
-              </a:rPr>
+              <a:rPr lang="en-US" sz="6000" b="1" i="1" dirty="0"/>
+              <a:t> </a:t>
+            </a:r>
+            <a:r>
+              <a:rPr lang="en-US" sz="6000" b="1" i="1" dirty="0" err="1"/>
               <a:t>aza</a:t>
             </a:r>
             <a:r>
-              <a:rPr lang="en-US" sz="6000" b="1" i="1" dirty="0" smtClean="0">
-                <a:solidFill>
-                  <a:srgbClr val="FF0000"/>
-                </a:solidFill>
-              </a:rPr>
-              <a:t> </a:t>
-            </a:r>
-            <a:r>
-              <a:rPr lang="en-US" sz="6000" b="1" i="1" dirty="0" err="1" smtClean="0">
-                <a:solidFill>
-                  <a:srgbClr val="FF0000"/>
-                </a:solidFill>
-              </a:rPr>
+              <a:rPr lang="en-US" sz="6000" b="1" i="1" dirty="0"/>
+              <a:t> </a:t>
+            </a:r>
+            <a:r>
+              <a:rPr lang="en-US" sz="6000" b="1" i="1" dirty="0" err="1"/>
               <a:t>mbola</a:t>
             </a:r>
             <a:r>
-              <a:rPr lang="en-US" sz="6000" b="1" i="1" dirty="0" smtClean="0">
-                <a:solidFill>
-                  <a:srgbClr val="FF0000"/>
-                </a:solidFill>
-              </a:rPr>
-              <a:t> </a:t>
-            </a:r>
-            <a:r>
-              <a:rPr lang="en-US" sz="6000" b="1" i="1" dirty="0" err="1" smtClean="0">
-                <a:solidFill>
-                  <a:srgbClr val="FF0000"/>
-                </a:solidFill>
-              </a:rPr>
+              <a:rPr lang="en-US" sz="6000" b="1" i="1" dirty="0"/>
+              <a:t> </a:t>
+            </a:r>
+            <a:r>
+              <a:rPr lang="en-US" sz="6000" b="1" i="1" dirty="0" err="1"/>
               <a:t>manao</a:t>
             </a:r>
             <a:r>
-              <a:rPr lang="en-US" sz="6000" b="1" i="1" dirty="0" smtClean="0">
-                <a:solidFill>
-                  <a:srgbClr val="FF0000"/>
-                </a:solidFill>
-              </a:rPr>
+              <a:rPr lang="en-US" sz="6000" b="1" i="1" dirty="0"/>
               <a:t> hoe:</a:t>
             </a:r>
-            <a:endParaRPr lang="fr-FR" sz="6000" b="1" i="1" dirty="0" smtClean="0">
-              <a:solidFill>
-                <a:srgbClr val="FF0000"/>
-              </a:solidFill>
-            </a:endParaRPr>
+            <a:endParaRPr lang="fr-FR" sz="6000" b="1" i="1" dirty="0"/>
           </a:p>
           <a:p>
             <a:pPr algn="ctr"/>
             <a:r>
-              <a:rPr lang="en-US" sz="6000" b="1" i="1" dirty="0" err="1" smtClean="0">
-                <a:solidFill>
-                  <a:srgbClr val="FF0000"/>
-                </a:solidFill>
-              </a:rPr>
+              <a:rPr lang="en-US" sz="6000" b="1" i="1" dirty="0" err="1"/>
               <a:t>Faly</a:t>
             </a:r>
             <a:r>
-              <a:rPr lang="en-US" sz="6000" b="1" i="1" dirty="0" smtClean="0">
-                <a:solidFill>
-                  <a:srgbClr val="FF0000"/>
-                </a:solidFill>
-              </a:rPr>
-              <a:t> </a:t>
-            </a:r>
-            <a:r>
-              <a:rPr lang="en-US" sz="6000" b="1" i="1" dirty="0" err="1" smtClean="0">
-                <a:solidFill>
-                  <a:srgbClr val="FF0000"/>
-                </a:solidFill>
-              </a:rPr>
+              <a:rPr lang="en-US" sz="6000" b="1" i="1" dirty="0"/>
+              <a:t> </a:t>
+            </a:r>
+            <a:r>
+              <a:rPr lang="en-US" sz="6000" b="1" i="1" dirty="0" err="1"/>
               <a:t>ao</a:t>
             </a:r>
             <a:r>
-              <a:rPr lang="en-US" sz="6000" b="1" i="1" dirty="0" smtClean="0">
-                <a:solidFill>
-                  <a:srgbClr val="FF0000"/>
-                </a:solidFill>
-              </a:rPr>
-              <a:t> </a:t>
-            </a:r>
-            <a:r>
-              <a:rPr lang="en-US" sz="6000" b="1" i="1" dirty="0" err="1" smtClean="0">
-                <a:solidFill>
-                  <a:srgbClr val="FF0000"/>
-                </a:solidFill>
-              </a:rPr>
+              <a:rPr lang="en-US" sz="6000" b="1" i="1" dirty="0"/>
+              <a:t> </a:t>
+            </a:r>
+            <a:r>
+              <a:rPr lang="en-US" sz="6000" b="1" i="1" dirty="0" err="1"/>
               <a:t>Aminy</a:t>
             </a:r>
             <a:r>
-              <a:rPr lang="en-US" sz="6000" b="1" i="1" dirty="0" smtClean="0">
-                <a:solidFill>
-                  <a:srgbClr val="FF0000"/>
-                </a:solidFill>
-              </a:rPr>
+              <a:rPr lang="en-US" sz="6000" b="1" i="1" dirty="0"/>
               <a:t> re </a:t>
             </a:r>
             <a:r>
-              <a:rPr lang="en-US" sz="6000" b="1" i="1" dirty="0" err="1" smtClean="0">
-                <a:solidFill>
-                  <a:srgbClr val="FF0000"/>
-                </a:solidFill>
-              </a:rPr>
+              <a:rPr lang="en-US" sz="6000" b="1" i="1" dirty="0" err="1"/>
               <a:t>aho</a:t>
             </a:r>
-            <a:endParaRPr lang="fr-FR" sz="6000" b="1" i="1" dirty="0">
-              <a:solidFill>
-                <a:srgbClr val="FF0000"/>
-              </a:solidFill>
-            </a:endParaRPr>
+            <a:endParaRPr lang="fr-FR" sz="6000" b="1" i="1" dirty="0"/>
           </a:p>
         </p:txBody>
       </p:sp>
@@ -3664,13 +3517,6 @@
   <p:clrMapOvr>
     <a:masterClrMapping/>
   </p:clrMapOvr>
-  <p:timing>
-    <p:tnLst>
-      <p:par>
-        <p:cTn id="1" dur="indefinite" restart="never" nodeType="tmRoot"/>
-      </p:par>
-    </p:tnLst>
-  </p:timing>
 </p:sld>
 </file>
 
@@ -3714,130 +3560,130 @@
           <a:p>
             <a:pPr lvl="0" algn="ctr"/>
             <a:r>
-              <a:rPr lang="en-US" sz="5400" b="1" dirty="0" smtClean="0"/>
+              <a:rPr lang="en-US" sz="5400" b="1" dirty="0"/>
               <a:t>2.  </a:t>
             </a:r>
             <a:r>
-              <a:rPr lang="en-US" sz="5400" b="1" dirty="0" err="1" smtClean="0"/>
+              <a:rPr lang="en-US" sz="5400" b="1" dirty="0" err="1"/>
               <a:t>Fony</a:t>
             </a:r>
             <a:r>
-              <a:rPr lang="en-US" sz="5400" b="1" dirty="0" smtClean="0"/>
-              <a:t> </a:t>
-            </a:r>
-            <a:r>
-              <a:rPr lang="en-US" sz="5400" b="1" dirty="0" err="1" smtClean="0"/>
+              <a:rPr lang="en-US" sz="5400" b="1" dirty="0"/>
+              <a:t> </a:t>
+            </a:r>
+            <a:r>
+              <a:rPr lang="en-US" sz="5400" b="1" dirty="0" err="1"/>
               <a:t>tsy</a:t>
             </a:r>
             <a:r>
-              <a:rPr lang="en-US" sz="5400" b="1" dirty="0" smtClean="0"/>
-              <a:t> </a:t>
-            </a:r>
-            <a:r>
-              <a:rPr lang="en-US" sz="5400" b="1" dirty="0" err="1" smtClean="0"/>
+              <a:rPr lang="en-US" sz="5400" b="1" dirty="0"/>
+              <a:t> </a:t>
+            </a:r>
+            <a:r>
+              <a:rPr lang="en-US" sz="5400" b="1" dirty="0" err="1"/>
               <a:t>nisy</a:t>
             </a:r>
             <a:r>
-              <a:rPr lang="en-US" sz="5400" b="1" dirty="0" smtClean="0"/>
-              <a:t> </a:t>
-            </a:r>
-            <a:r>
-              <a:rPr lang="en-US" sz="5400" b="1" dirty="0" err="1" smtClean="0"/>
+              <a:rPr lang="en-US" sz="5400" b="1" dirty="0"/>
+              <a:t> </a:t>
+            </a:r>
+            <a:r>
+              <a:rPr lang="en-US" sz="5400" b="1" dirty="0" err="1"/>
               <a:t>avotra</a:t>
             </a:r>
             <a:r>
-              <a:rPr lang="en-US" sz="5400" b="1" dirty="0" smtClean="0"/>
-              <a:t> </a:t>
-            </a:r>
-            <a:r>
-              <a:rPr lang="en-US" sz="5400" b="1" dirty="0" err="1" smtClean="0"/>
+              <a:rPr lang="en-US" sz="5400" b="1" dirty="0"/>
+              <a:t> </a:t>
+            </a:r>
+            <a:r>
+              <a:rPr lang="en-US" sz="5400" b="1" dirty="0" err="1"/>
               <a:t>fisoloana</a:t>
             </a:r>
-            <a:endParaRPr lang="fr-FR" sz="5400" b="1" dirty="0" smtClean="0"/>
+            <a:endParaRPr lang="fr-FR" sz="5400" b="1" dirty="0"/>
           </a:p>
           <a:p>
             <a:pPr algn="ctr"/>
             <a:r>
-              <a:rPr lang="en-US" sz="5400" b="1" dirty="0" err="1" smtClean="0"/>
+              <a:rPr lang="en-US" sz="5400" b="1" dirty="0" err="1"/>
               <a:t>Sy</a:t>
             </a:r>
             <a:r>
-              <a:rPr lang="en-US" sz="5400" b="1" dirty="0" smtClean="0"/>
+              <a:rPr lang="en-US" sz="5400" b="1" dirty="0"/>
               <a:t> ho </a:t>
             </a:r>
             <a:r>
-              <a:rPr lang="en-US" sz="5400" b="1" dirty="0" err="1" smtClean="0"/>
+              <a:rPr lang="en-US" sz="5400" b="1" dirty="0" err="1"/>
               <a:t>fampanekena</a:t>
             </a:r>
             <a:r>
-              <a:rPr lang="en-US" sz="5400" b="1" dirty="0" smtClean="0"/>
-              <a:t> </a:t>
-            </a:r>
-            <a:r>
-              <a:rPr lang="en-US" sz="5400" b="1" dirty="0" err="1" smtClean="0"/>
+              <a:rPr lang="en-US" sz="5400" b="1" dirty="0"/>
+              <a:t> </a:t>
+            </a:r>
+            <a:r>
+              <a:rPr lang="en-US" sz="5400" b="1" dirty="0" err="1"/>
               <a:t>ny</a:t>
             </a:r>
             <a:r>
-              <a:rPr lang="en-US" sz="5400" b="1" dirty="0" smtClean="0"/>
+              <a:rPr lang="en-US" sz="5400" b="1" dirty="0"/>
               <a:t> Ray</a:t>
             </a:r>
-            <a:endParaRPr lang="fr-FR" sz="5400" b="1" dirty="0" smtClean="0"/>
+            <a:endParaRPr lang="fr-FR" sz="5400" b="1" dirty="0"/>
           </a:p>
           <a:p>
             <a:pPr algn="ctr"/>
             <a:r>
-              <a:rPr lang="en-US" sz="5400" b="1" dirty="0" err="1" smtClean="0"/>
+              <a:rPr lang="en-US" sz="5400" b="1" dirty="0" err="1"/>
               <a:t>Dia</a:t>
             </a:r>
             <a:r>
-              <a:rPr lang="en-US" sz="5400" b="1" dirty="0" smtClean="0"/>
-              <a:t> </a:t>
-            </a:r>
-            <a:r>
-              <a:rPr lang="en-US" sz="5400" b="1" dirty="0" err="1" smtClean="0"/>
+              <a:rPr lang="en-US" sz="5400" b="1" dirty="0"/>
+              <a:t> </a:t>
+            </a:r>
+            <a:r>
+              <a:rPr lang="en-US" sz="5400" b="1" dirty="0" err="1"/>
               <a:t>nanolo-tena</a:t>
             </a:r>
             <a:r>
-              <a:rPr lang="en-US" sz="5400" b="1" dirty="0" smtClean="0"/>
-              <a:t> </a:t>
-            </a:r>
-            <a:r>
-              <a:rPr lang="en-US" sz="5400" b="1" dirty="0" err="1" smtClean="0"/>
+              <a:rPr lang="en-US" sz="5400" b="1" dirty="0"/>
+              <a:t> </a:t>
+            </a:r>
+            <a:r>
+              <a:rPr lang="en-US" sz="5400" b="1" dirty="0" err="1"/>
               <a:t>hanavotra</a:t>
             </a:r>
             <a:r>
-              <a:rPr lang="en-US" sz="5400" b="1" dirty="0" smtClean="0"/>
-              <a:t> </a:t>
-            </a:r>
-            <a:r>
-              <a:rPr lang="en-US" sz="5400" b="1" dirty="0" err="1" smtClean="0"/>
+              <a:rPr lang="en-US" sz="5400" b="1" dirty="0"/>
+              <a:t> </a:t>
+            </a:r>
+            <a:r>
+              <a:rPr lang="en-US" sz="5400" b="1" dirty="0" err="1"/>
               <a:t>ahy</a:t>
             </a:r>
-            <a:endParaRPr lang="fr-FR" sz="5400" b="1" dirty="0" smtClean="0"/>
+            <a:endParaRPr lang="fr-FR" sz="5400" b="1" dirty="0"/>
           </a:p>
           <a:p>
             <a:pPr algn="ctr"/>
             <a:r>
-              <a:rPr lang="en-US" sz="5400" b="1" dirty="0" err="1" smtClean="0"/>
+              <a:rPr lang="en-US" sz="5400" b="1" dirty="0" err="1"/>
               <a:t>Tamin’ny</a:t>
             </a:r>
             <a:r>
-              <a:rPr lang="en-US" sz="5400" b="1" dirty="0" smtClean="0"/>
-              <a:t> </a:t>
-            </a:r>
-            <a:r>
-              <a:rPr lang="en-US" sz="5400" b="1" dirty="0" err="1" smtClean="0"/>
+              <a:rPr lang="en-US" sz="5400" b="1" dirty="0"/>
+              <a:t> </a:t>
+            </a:r>
+            <a:r>
+              <a:rPr lang="en-US" sz="5400" b="1" dirty="0" err="1"/>
               <a:t>Rany</a:t>
             </a:r>
             <a:r>
-              <a:rPr lang="en-US" sz="5400" b="1" dirty="0" smtClean="0"/>
-              <a:t> </a:t>
-            </a:r>
-            <a:r>
-              <a:rPr lang="en-US" sz="5400" b="1" dirty="0" err="1" smtClean="0"/>
+              <a:rPr lang="en-US" sz="5400" b="1" dirty="0"/>
+              <a:t> </a:t>
+            </a:r>
+            <a:r>
+              <a:rPr lang="en-US" sz="5400" b="1" dirty="0" err="1"/>
               <a:t>Jesosy</a:t>
             </a:r>
-            <a:endParaRPr lang="en-US" sz="5400" b="1" dirty="0" smtClean="0"/>
+            <a:endParaRPr lang="en-US" sz="5400" b="1" dirty="0"/>
           </a:p>
         </p:txBody>
       </p:sp>
@@ -3846,13 +3692,6 @@
   <p:clrMapOvr>
     <a:masterClrMapping/>
   </p:clrMapOvr>
-  <p:timing>
-    <p:tnLst>
-      <p:par>
-        <p:cTn id="1" dur="indefinite" restart="never" nodeType="tmRoot"/>
-      </p:par>
-    </p:tnLst>
-  </p:timing>
 </p:sld>
 </file>
 
@@ -3896,258 +3735,130 @@
           <a:p>
             <a:pPr algn="ctr"/>
             <a:r>
-              <a:rPr lang="en-US" sz="6000" b="1" i="1" dirty="0" err="1" smtClean="0">
-                <a:solidFill>
-                  <a:srgbClr val="FF0000"/>
-                </a:solidFill>
-              </a:rPr>
+              <a:rPr lang="en-US" sz="6000" b="1" i="1" dirty="0" err="1"/>
               <a:t>Faly</a:t>
             </a:r>
             <a:r>
-              <a:rPr lang="en-US" sz="6000" b="1" i="1" dirty="0" smtClean="0">
-                <a:solidFill>
-                  <a:srgbClr val="FF0000"/>
-                </a:solidFill>
-              </a:rPr>
-              <a:t> </a:t>
-            </a:r>
-            <a:r>
-              <a:rPr lang="en-US" sz="6000" b="1" i="1" dirty="0" err="1" smtClean="0">
-                <a:solidFill>
-                  <a:srgbClr val="FF0000"/>
-                </a:solidFill>
-              </a:rPr>
+              <a:rPr lang="en-US" sz="6000" b="1" i="1" dirty="0"/>
+              <a:t> </a:t>
+            </a:r>
+            <a:r>
+              <a:rPr lang="en-US" sz="6000" b="1" i="1" dirty="0" err="1"/>
               <a:t>aho</a:t>
             </a:r>
             <a:r>
-              <a:rPr lang="en-US" sz="6000" b="1" i="1" dirty="0" smtClean="0">
-                <a:solidFill>
-                  <a:srgbClr val="FF0000"/>
-                </a:solidFill>
-              </a:rPr>
-              <a:t> </a:t>
-            </a:r>
-            <a:r>
-              <a:rPr lang="en-US" sz="6000" b="1" i="1" dirty="0" err="1" smtClean="0">
-                <a:solidFill>
-                  <a:srgbClr val="FF0000"/>
-                </a:solidFill>
-              </a:rPr>
+              <a:rPr lang="en-US" sz="6000" b="1" i="1" dirty="0"/>
+              <a:t> </a:t>
+            </a:r>
+            <a:r>
+              <a:rPr lang="en-US" sz="6000" b="1" i="1" dirty="0" err="1"/>
               <a:t>miarak’aminy</a:t>
             </a:r>
-            <a:endParaRPr lang="fr-FR" sz="6000" b="1" i="1" dirty="0" smtClean="0">
-              <a:solidFill>
-                <a:srgbClr val="FF0000"/>
-              </a:solidFill>
-            </a:endParaRPr>
+            <a:endParaRPr lang="fr-FR" sz="6000" b="1" i="1" dirty="0"/>
           </a:p>
           <a:p>
             <a:pPr algn="ctr"/>
             <a:r>
-              <a:rPr lang="en-US" sz="6000" b="1" i="1" dirty="0" err="1" smtClean="0">
-                <a:solidFill>
-                  <a:srgbClr val="FF0000"/>
-                </a:solidFill>
-              </a:rPr>
+              <a:rPr lang="en-US" sz="6000" b="1" i="1" dirty="0" err="1"/>
               <a:t>Jesosy</a:t>
             </a:r>
             <a:r>
-              <a:rPr lang="en-US" sz="6000" b="1" i="1" dirty="0" smtClean="0">
-                <a:solidFill>
-                  <a:srgbClr val="FF0000"/>
-                </a:solidFill>
-              </a:rPr>
-              <a:t> </a:t>
-            </a:r>
-            <a:r>
-              <a:rPr lang="en-US" sz="6000" b="1" i="1" dirty="0" err="1" smtClean="0">
-                <a:solidFill>
-                  <a:srgbClr val="FF0000"/>
-                </a:solidFill>
-              </a:rPr>
+              <a:rPr lang="en-US" sz="6000" b="1" i="1" dirty="0"/>
+              <a:t> </a:t>
+            </a:r>
+            <a:r>
+              <a:rPr lang="en-US" sz="6000" b="1" i="1" dirty="0" err="1"/>
               <a:t>tokana</a:t>
             </a:r>
             <a:r>
-              <a:rPr lang="en-US" sz="6000" b="1" i="1" dirty="0" smtClean="0">
-                <a:solidFill>
-                  <a:srgbClr val="FF0000"/>
-                </a:solidFill>
-              </a:rPr>
-              <a:t> </a:t>
-            </a:r>
-            <a:r>
-              <a:rPr lang="en-US" sz="6000" b="1" i="1" dirty="0" err="1" smtClean="0">
-                <a:solidFill>
-                  <a:srgbClr val="FF0000"/>
-                </a:solidFill>
-              </a:rPr>
+              <a:rPr lang="en-US" sz="6000" b="1" i="1" dirty="0"/>
+              <a:t> </a:t>
+            </a:r>
+            <a:r>
+              <a:rPr lang="en-US" sz="6000" b="1" i="1" dirty="0" err="1"/>
               <a:t>ihany</a:t>
             </a:r>
-            <a:endParaRPr lang="fr-FR" sz="6000" b="1" i="1" dirty="0" smtClean="0">
-              <a:solidFill>
-                <a:srgbClr val="FF0000"/>
-              </a:solidFill>
-            </a:endParaRPr>
+            <a:endParaRPr lang="fr-FR" sz="6000" b="1" i="1" dirty="0"/>
           </a:p>
           <a:p>
             <a:pPr algn="ctr"/>
             <a:r>
-              <a:rPr lang="en-US" sz="6000" b="1" i="1" dirty="0" smtClean="0">
-                <a:solidFill>
-                  <a:srgbClr val="FF0000"/>
-                </a:solidFill>
-              </a:rPr>
+              <a:rPr lang="en-US" sz="6000" b="1" i="1" dirty="0"/>
               <a:t>Na </a:t>
             </a:r>
             <a:r>
-              <a:rPr lang="en-US" sz="6000" b="1" i="1" dirty="0" err="1" smtClean="0">
-                <a:solidFill>
-                  <a:srgbClr val="FF0000"/>
-                </a:solidFill>
-              </a:rPr>
+              <a:rPr lang="en-US" sz="6000" b="1" i="1" dirty="0" err="1"/>
               <a:t>dia</a:t>
             </a:r>
             <a:r>
-              <a:rPr lang="en-US" sz="6000" b="1" i="1" dirty="0" smtClean="0">
-                <a:solidFill>
-                  <a:srgbClr val="FF0000"/>
-                </a:solidFill>
-              </a:rPr>
-              <a:t> </a:t>
-            </a:r>
-            <a:r>
-              <a:rPr lang="en-US" sz="6000" b="1" i="1" dirty="0" err="1" smtClean="0">
-                <a:solidFill>
-                  <a:srgbClr val="FF0000"/>
-                </a:solidFill>
-              </a:rPr>
+              <a:rPr lang="en-US" sz="6000" b="1" i="1" dirty="0"/>
+              <a:t> </a:t>
+            </a:r>
+            <a:r>
+              <a:rPr lang="en-US" sz="6000" b="1" i="1" dirty="0" err="1"/>
               <a:t>mahantra</a:t>
             </a:r>
             <a:r>
-              <a:rPr lang="en-US" sz="6000" b="1" i="1" dirty="0" smtClean="0">
-                <a:solidFill>
-                  <a:srgbClr val="FF0000"/>
-                </a:solidFill>
-              </a:rPr>
-              <a:t> </a:t>
-            </a:r>
-            <a:r>
-              <a:rPr lang="en-US" sz="6000" b="1" i="1" dirty="0" err="1" smtClean="0">
-                <a:solidFill>
-                  <a:srgbClr val="FF0000"/>
-                </a:solidFill>
-              </a:rPr>
+              <a:rPr lang="en-US" sz="6000" b="1" i="1" dirty="0"/>
+              <a:t> </a:t>
+            </a:r>
+            <a:r>
+              <a:rPr lang="en-US" sz="6000" b="1" i="1" dirty="0" err="1"/>
               <a:t>aza</a:t>
             </a:r>
             <a:r>
-              <a:rPr lang="en-US" sz="6000" b="1" i="1" dirty="0" smtClean="0">
-                <a:solidFill>
-                  <a:srgbClr val="FF0000"/>
-                </a:solidFill>
-              </a:rPr>
-              <a:t> </a:t>
-            </a:r>
-            <a:r>
-              <a:rPr lang="en-US" sz="6000" b="1" i="1" dirty="0" err="1" smtClean="0">
-                <a:solidFill>
-                  <a:srgbClr val="FF0000"/>
-                </a:solidFill>
-              </a:rPr>
+              <a:rPr lang="en-US" sz="6000" b="1" i="1" dirty="0"/>
+              <a:t> </a:t>
+            </a:r>
+            <a:r>
+              <a:rPr lang="en-US" sz="6000" b="1" i="1" dirty="0" err="1"/>
               <a:t>mbola</a:t>
             </a:r>
             <a:r>
-              <a:rPr lang="en-US" sz="6000" b="1" i="1" dirty="0" smtClean="0">
-                <a:solidFill>
-                  <a:srgbClr val="FF0000"/>
-                </a:solidFill>
-              </a:rPr>
-              <a:t> </a:t>
-            </a:r>
-            <a:r>
-              <a:rPr lang="en-US" sz="6000" b="1" i="1" dirty="0" err="1" smtClean="0">
-                <a:solidFill>
-                  <a:srgbClr val="FF0000"/>
-                </a:solidFill>
-              </a:rPr>
+              <a:rPr lang="en-US" sz="6000" b="1" i="1" dirty="0"/>
+              <a:t> </a:t>
+            </a:r>
+            <a:r>
+              <a:rPr lang="en-US" sz="6000" b="1" i="1" dirty="0" err="1"/>
               <a:t>manao</a:t>
             </a:r>
             <a:r>
-              <a:rPr lang="en-US" sz="6000" b="1" i="1" dirty="0" smtClean="0">
-                <a:solidFill>
-                  <a:srgbClr val="FF0000"/>
-                </a:solidFill>
-              </a:rPr>
+              <a:rPr lang="en-US" sz="6000" b="1" i="1" dirty="0"/>
               <a:t> hoe:</a:t>
             </a:r>
-            <a:endParaRPr lang="fr-FR" sz="6000" b="1" i="1" dirty="0" smtClean="0">
-              <a:solidFill>
-                <a:srgbClr val="FF0000"/>
-              </a:solidFill>
-            </a:endParaRPr>
+            <a:endParaRPr lang="fr-FR" sz="6000" b="1" i="1" dirty="0"/>
           </a:p>
           <a:p>
             <a:pPr algn="ctr"/>
             <a:r>
-              <a:rPr lang="en-US" sz="6000" b="1" i="1" dirty="0" err="1" smtClean="0">
-                <a:solidFill>
-                  <a:srgbClr val="FF0000"/>
-                </a:solidFill>
-              </a:rPr>
+              <a:rPr lang="en-US" sz="6000" b="1" i="1" dirty="0" err="1"/>
               <a:t>Faly</a:t>
             </a:r>
             <a:r>
-              <a:rPr lang="en-US" sz="6000" b="1" i="1" dirty="0" smtClean="0">
-                <a:solidFill>
-                  <a:srgbClr val="FF0000"/>
-                </a:solidFill>
-              </a:rPr>
-              <a:t> </a:t>
-            </a:r>
-            <a:r>
-              <a:rPr lang="en-US" sz="6000" b="1" i="1" dirty="0" err="1" smtClean="0">
-                <a:solidFill>
-                  <a:srgbClr val="FF0000"/>
-                </a:solidFill>
-              </a:rPr>
+              <a:rPr lang="en-US" sz="6000" b="1" i="1" dirty="0"/>
+              <a:t> </a:t>
+            </a:r>
+            <a:r>
+              <a:rPr lang="en-US" sz="6000" b="1" i="1" dirty="0" err="1"/>
               <a:t>ao</a:t>
             </a:r>
             <a:r>
-              <a:rPr lang="en-US" sz="6000" b="1" i="1" dirty="0" smtClean="0">
-                <a:solidFill>
-                  <a:srgbClr val="FF0000"/>
-                </a:solidFill>
-              </a:rPr>
-              <a:t> </a:t>
-            </a:r>
-            <a:r>
-              <a:rPr lang="en-US" sz="6000" b="1" i="1" dirty="0" err="1" smtClean="0">
-                <a:solidFill>
-                  <a:srgbClr val="FF0000"/>
-                </a:solidFill>
-              </a:rPr>
+              <a:rPr lang="en-US" sz="6000" b="1" i="1" dirty="0"/>
+              <a:t> </a:t>
+            </a:r>
+            <a:r>
+              <a:rPr lang="en-US" sz="6000" b="1" i="1" dirty="0" err="1"/>
               <a:t>Aminy</a:t>
             </a:r>
             <a:r>
-              <a:rPr lang="en-US" sz="6000" b="1" i="1" dirty="0" smtClean="0">
-                <a:solidFill>
-                  <a:srgbClr val="FF0000"/>
-                </a:solidFill>
-              </a:rPr>
+              <a:rPr lang="en-US" sz="6000" b="1" i="1" dirty="0"/>
               <a:t> re </a:t>
             </a:r>
             <a:r>
-              <a:rPr lang="en-US" sz="6000" b="1" i="1" dirty="0" err="1" smtClean="0">
-                <a:solidFill>
-                  <a:srgbClr val="FF0000"/>
-                </a:solidFill>
-              </a:rPr>
+              <a:rPr lang="en-US" sz="6000" b="1" i="1" dirty="0" err="1"/>
               <a:t>aho</a:t>
             </a:r>
-            <a:endParaRPr lang="fr-FR" sz="6000" b="1" i="1" dirty="0">
-              <a:solidFill>
-                <a:srgbClr val="FF0000"/>
-              </a:solidFill>
-            </a:endParaRPr>
+            <a:endParaRPr lang="fr-FR" sz="6000" b="1" i="1" dirty="0"/>
           </a:p>
         </p:txBody>
       </p:sp>
@@ -4156,13 +3867,6 @@
   <p:clrMapOvr>
     <a:masterClrMapping/>
   </p:clrMapOvr>
-  <p:timing>
-    <p:tnLst>
-      <p:par>
-        <p:cTn id="1" dur="indefinite" restart="never" nodeType="tmRoot"/>
-      </p:par>
-    </p:tnLst>
-  </p:timing>
 </p:sld>
 </file>
 
@@ -4206,134 +3910,134 @@
           <a:p>
             <a:pPr lvl="0" algn="ctr"/>
             <a:r>
-              <a:rPr lang="en-US" sz="4800" b="1" dirty="0" smtClean="0"/>
+              <a:rPr lang="en-US" sz="4800" b="1" dirty="0"/>
               <a:t>3.  </a:t>
             </a:r>
             <a:r>
-              <a:rPr lang="en-US" sz="4800" b="1" dirty="0" err="1" smtClean="0"/>
+              <a:rPr lang="en-US" sz="4800" b="1" dirty="0" err="1"/>
               <a:t>Raha</a:t>
             </a:r>
             <a:r>
-              <a:rPr lang="en-US" sz="4800" b="1" dirty="0" smtClean="0"/>
-              <a:t> </a:t>
-            </a:r>
-            <a:r>
-              <a:rPr lang="en-US" sz="4800" b="1" dirty="0" err="1" smtClean="0"/>
+              <a:rPr lang="en-US" sz="4800" b="1" dirty="0"/>
+              <a:t> </a:t>
+            </a:r>
+            <a:r>
+              <a:rPr lang="en-US" sz="4800" b="1" dirty="0" err="1"/>
               <a:t>meloka</a:t>
             </a:r>
             <a:r>
-              <a:rPr lang="en-US" sz="4800" b="1" dirty="0" smtClean="0"/>
-              <a:t> </a:t>
-            </a:r>
-            <a:r>
-              <a:rPr lang="en-US" sz="4800" b="1" dirty="0" err="1" smtClean="0"/>
+              <a:rPr lang="en-US" sz="4800" b="1" dirty="0"/>
+              <a:t> </a:t>
+            </a:r>
+            <a:r>
+              <a:rPr lang="en-US" sz="4800" b="1" dirty="0" err="1"/>
               <a:t>ao</a:t>
             </a:r>
             <a:r>
-              <a:rPr lang="en-US" sz="4800" b="1" dirty="0" smtClean="0"/>
-              <a:t> </a:t>
-            </a:r>
-            <a:r>
-              <a:rPr lang="en-US" sz="4800" b="1" dirty="0" err="1" smtClean="0"/>
+              <a:rPr lang="en-US" sz="4800" b="1" dirty="0"/>
+              <a:t> </a:t>
+            </a:r>
+            <a:r>
+              <a:rPr lang="en-US" sz="4800" b="1" dirty="0" err="1"/>
               <a:t>amin’ny</a:t>
             </a:r>
             <a:r>
-              <a:rPr lang="en-US" sz="4800" b="1" dirty="0" smtClean="0"/>
-              <a:t> </a:t>
-            </a:r>
-            <a:r>
-              <a:rPr lang="en-US" sz="4800" b="1" dirty="0" err="1" smtClean="0"/>
+              <a:rPr lang="en-US" sz="4800" b="1" dirty="0"/>
+              <a:t> </a:t>
+            </a:r>
+            <a:r>
+              <a:rPr lang="en-US" sz="4800" b="1" dirty="0" err="1"/>
               <a:t>famoizam-po</a:t>
             </a:r>
-            <a:endParaRPr lang="fr-FR" sz="4800" b="1" dirty="0" smtClean="0"/>
+            <a:endParaRPr lang="fr-FR" sz="4800" b="1" dirty="0"/>
           </a:p>
           <a:p>
             <a:pPr algn="ctr"/>
             <a:r>
-              <a:rPr lang="en-US" sz="4800" b="1" dirty="0" err="1" smtClean="0"/>
+              <a:rPr lang="en-US" sz="4800" b="1" dirty="0" err="1"/>
               <a:t>Tsy</a:t>
             </a:r>
             <a:r>
-              <a:rPr lang="en-US" sz="4800" b="1" dirty="0" smtClean="0"/>
-              <a:t> </a:t>
-            </a:r>
-            <a:r>
-              <a:rPr lang="en-US" sz="4800" b="1" dirty="0" err="1" smtClean="0"/>
+              <a:rPr lang="en-US" sz="4800" b="1" dirty="0"/>
+              <a:t> </a:t>
+            </a:r>
+            <a:r>
+              <a:rPr lang="en-US" sz="4800" b="1" dirty="0" err="1"/>
               <a:t>misy</a:t>
             </a:r>
             <a:r>
-              <a:rPr lang="en-US" sz="4800" b="1" dirty="0" smtClean="0"/>
-              <a:t> </a:t>
-            </a:r>
-            <a:r>
-              <a:rPr lang="en-US" sz="4800" b="1" dirty="0" err="1" smtClean="0"/>
+              <a:rPr lang="en-US" sz="4800" b="1" dirty="0"/>
+              <a:t> </a:t>
+            </a:r>
+            <a:r>
+              <a:rPr lang="en-US" sz="4800" b="1" dirty="0" err="1"/>
               <a:t>fahazavana</a:t>
             </a:r>
-            <a:endParaRPr lang="fr-FR" sz="4800" b="1" dirty="0" smtClean="0"/>
+            <a:endParaRPr lang="fr-FR" sz="4800" b="1" dirty="0"/>
           </a:p>
           <a:p>
             <a:pPr algn="ctr"/>
             <a:r>
-              <a:rPr lang="en-US" sz="4800" b="1" dirty="0" err="1" smtClean="0"/>
+              <a:rPr lang="en-US" sz="4800" b="1" dirty="0" err="1"/>
               <a:t>Jesosy</a:t>
             </a:r>
             <a:r>
-              <a:rPr lang="en-US" sz="4800" b="1" dirty="0" smtClean="0"/>
-              <a:t> </a:t>
-            </a:r>
-            <a:r>
-              <a:rPr lang="en-US" sz="4800" b="1" dirty="0" err="1" smtClean="0"/>
+              <a:rPr lang="en-US" sz="4800" b="1" dirty="0"/>
+              <a:t> </a:t>
+            </a:r>
+            <a:r>
+              <a:rPr lang="en-US" sz="4800" b="1" dirty="0" err="1"/>
               <a:t>kosa</a:t>
             </a:r>
             <a:r>
-              <a:rPr lang="en-US" sz="4800" b="1" dirty="0" smtClean="0"/>
-              <a:t> </a:t>
-            </a:r>
-            <a:r>
-              <a:rPr lang="en-US" sz="4800" b="1" dirty="0" err="1" smtClean="0"/>
+              <a:rPr lang="en-US" sz="4800" b="1" dirty="0"/>
+              <a:t> </a:t>
+            </a:r>
+            <a:r>
+              <a:rPr lang="en-US" sz="4800" b="1" dirty="0" err="1"/>
               <a:t>nanao</a:t>
             </a:r>
             <a:r>
-              <a:rPr lang="en-US" sz="4800" b="1" dirty="0" smtClean="0"/>
-              <a:t> </a:t>
-            </a:r>
-            <a:r>
-              <a:rPr lang="en-US" sz="4800" b="1" dirty="0" err="1" smtClean="0"/>
+              <a:rPr lang="en-US" sz="4800" b="1" dirty="0"/>
+              <a:t> </a:t>
+            </a:r>
+            <a:r>
+              <a:rPr lang="en-US" sz="4800" b="1" dirty="0" err="1"/>
               <a:t>ahy</a:t>
             </a:r>
             <a:r>
-              <a:rPr lang="en-US" sz="4800" b="1" dirty="0" smtClean="0"/>
-              <a:t> </a:t>
-            </a:r>
-            <a:r>
-              <a:rPr lang="en-US" sz="4800" b="1" dirty="0" err="1" smtClean="0"/>
+              <a:rPr lang="en-US" sz="4800" b="1" dirty="0"/>
+              <a:t> </a:t>
+            </a:r>
+            <a:r>
+              <a:rPr lang="en-US" sz="4800" b="1" dirty="0" err="1"/>
               <a:t>mpandova</a:t>
             </a:r>
-            <a:endParaRPr lang="fr-FR" sz="4800" b="1" dirty="0" smtClean="0"/>
+            <a:endParaRPr lang="fr-FR" sz="4800" b="1" dirty="0"/>
           </a:p>
           <a:p>
             <a:pPr algn="ctr"/>
             <a:r>
-              <a:rPr lang="en-US" sz="4800" b="1" dirty="0" err="1" smtClean="0"/>
+              <a:rPr lang="en-US" sz="4800" b="1" dirty="0" err="1"/>
               <a:t>Ny</a:t>
             </a:r>
             <a:r>
-              <a:rPr lang="en-US" sz="4800" b="1" dirty="0" smtClean="0"/>
-              <a:t> </a:t>
-            </a:r>
-            <a:r>
-              <a:rPr lang="en-US" sz="4800" b="1" dirty="0" err="1" smtClean="0"/>
+              <a:rPr lang="en-US" sz="4800" b="1" dirty="0"/>
+              <a:t> </a:t>
+            </a:r>
+            <a:r>
+              <a:rPr lang="en-US" sz="4800" b="1" dirty="0" err="1"/>
               <a:t>lapan’ny</a:t>
             </a:r>
             <a:r>
-              <a:rPr lang="en-US" sz="4800" b="1" dirty="0" smtClean="0"/>
-              <a:t> </a:t>
-            </a:r>
-            <a:r>
-              <a:rPr lang="en-US" sz="4800" b="1" dirty="0" err="1" smtClean="0"/>
+              <a:rPr lang="en-US" sz="4800" b="1" dirty="0"/>
+              <a:t> </a:t>
+            </a:r>
+            <a:r>
+              <a:rPr lang="en-US" sz="4800" b="1" dirty="0" err="1"/>
               <a:t>voninahitra</a:t>
             </a:r>
-            <a:endParaRPr lang="en-US" sz="4800" b="1" dirty="0" smtClean="0"/>
+            <a:endParaRPr lang="en-US" sz="4800" b="1" dirty="0"/>
           </a:p>
         </p:txBody>
       </p:sp>
@@ -4342,13 +4046,6 @@
   <p:clrMapOvr>
     <a:masterClrMapping/>
   </p:clrMapOvr>
-  <p:timing>
-    <p:tnLst>
-      <p:par>
-        <p:cTn id="1" dur="indefinite" restart="never" nodeType="tmRoot"/>
-      </p:par>
-    </p:tnLst>
-  </p:timing>
 </p:sld>
 </file>
 
@@ -4392,258 +4089,130 @@
           <a:p>
             <a:pPr algn="ctr"/>
             <a:r>
-              <a:rPr lang="en-US" sz="6000" b="1" i="1" dirty="0" err="1" smtClean="0">
-                <a:solidFill>
-                  <a:srgbClr val="FF0000"/>
-                </a:solidFill>
-              </a:rPr>
+              <a:rPr lang="en-US" sz="6000" b="1" i="1" dirty="0" err="1"/>
               <a:t>Faly</a:t>
             </a:r>
             <a:r>
-              <a:rPr lang="en-US" sz="6000" b="1" i="1" dirty="0" smtClean="0">
-                <a:solidFill>
-                  <a:srgbClr val="FF0000"/>
-                </a:solidFill>
-              </a:rPr>
-              <a:t> </a:t>
-            </a:r>
-            <a:r>
-              <a:rPr lang="en-US" sz="6000" b="1" i="1" dirty="0" err="1" smtClean="0">
-                <a:solidFill>
-                  <a:srgbClr val="FF0000"/>
-                </a:solidFill>
-              </a:rPr>
+              <a:rPr lang="en-US" sz="6000" b="1" i="1" dirty="0"/>
+              <a:t> </a:t>
+            </a:r>
+            <a:r>
+              <a:rPr lang="en-US" sz="6000" b="1" i="1" dirty="0" err="1"/>
               <a:t>aho</a:t>
             </a:r>
             <a:r>
-              <a:rPr lang="en-US" sz="6000" b="1" i="1" dirty="0" smtClean="0">
-                <a:solidFill>
-                  <a:srgbClr val="FF0000"/>
-                </a:solidFill>
-              </a:rPr>
-              <a:t> </a:t>
-            </a:r>
-            <a:r>
-              <a:rPr lang="en-US" sz="6000" b="1" i="1" dirty="0" err="1" smtClean="0">
-                <a:solidFill>
-                  <a:srgbClr val="FF0000"/>
-                </a:solidFill>
-              </a:rPr>
+              <a:rPr lang="en-US" sz="6000" b="1" i="1" dirty="0"/>
+              <a:t> </a:t>
+            </a:r>
+            <a:r>
+              <a:rPr lang="en-US" sz="6000" b="1" i="1" dirty="0" err="1"/>
               <a:t>miarak’aminy</a:t>
             </a:r>
-            <a:endParaRPr lang="fr-FR" sz="6000" b="1" i="1" dirty="0" smtClean="0">
-              <a:solidFill>
-                <a:srgbClr val="FF0000"/>
-              </a:solidFill>
-            </a:endParaRPr>
+            <a:endParaRPr lang="fr-FR" sz="6000" b="1" i="1" dirty="0"/>
           </a:p>
           <a:p>
             <a:pPr algn="ctr"/>
             <a:r>
-              <a:rPr lang="en-US" sz="6000" b="1" i="1" dirty="0" err="1" smtClean="0">
-                <a:solidFill>
-                  <a:srgbClr val="FF0000"/>
-                </a:solidFill>
-              </a:rPr>
+              <a:rPr lang="en-US" sz="6000" b="1" i="1" dirty="0" err="1"/>
               <a:t>Jesosy</a:t>
             </a:r>
             <a:r>
-              <a:rPr lang="en-US" sz="6000" b="1" i="1" dirty="0" smtClean="0">
-                <a:solidFill>
-                  <a:srgbClr val="FF0000"/>
-                </a:solidFill>
-              </a:rPr>
-              <a:t> </a:t>
-            </a:r>
-            <a:r>
-              <a:rPr lang="en-US" sz="6000" b="1" i="1" dirty="0" err="1" smtClean="0">
-                <a:solidFill>
-                  <a:srgbClr val="FF0000"/>
-                </a:solidFill>
-              </a:rPr>
+              <a:rPr lang="en-US" sz="6000" b="1" i="1" dirty="0"/>
+              <a:t> </a:t>
+            </a:r>
+            <a:r>
+              <a:rPr lang="en-US" sz="6000" b="1" i="1" dirty="0" err="1"/>
               <a:t>tokana</a:t>
             </a:r>
             <a:r>
-              <a:rPr lang="en-US" sz="6000" b="1" i="1" dirty="0" smtClean="0">
-                <a:solidFill>
-                  <a:srgbClr val="FF0000"/>
-                </a:solidFill>
-              </a:rPr>
-              <a:t> </a:t>
-            </a:r>
-            <a:r>
-              <a:rPr lang="en-US" sz="6000" b="1" i="1" dirty="0" err="1" smtClean="0">
-                <a:solidFill>
-                  <a:srgbClr val="FF0000"/>
-                </a:solidFill>
-              </a:rPr>
+              <a:rPr lang="en-US" sz="6000" b="1" i="1" dirty="0"/>
+              <a:t> </a:t>
+            </a:r>
+            <a:r>
+              <a:rPr lang="en-US" sz="6000" b="1" i="1" dirty="0" err="1"/>
               <a:t>ihany</a:t>
             </a:r>
-            <a:endParaRPr lang="fr-FR" sz="6000" b="1" i="1" dirty="0" smtClean="0">
-              <a:solidFill>
-                <a:srgbClr val="FF0000"/>
-              </a:solidFill>
-            </a:endParaRPr>
+            <a:endParaRPr lang="fr-FR" sz="6000" b="1" i="1" dirty="0"/>
           </a:p>
           <a:p>
             <a:pPr algn="ctr"/>
             <a:r>
-              <a:rPr lang="en-US" sz="6000" b="1" i="1" dirty="0" smtClean="0">
-                <a:solidFill>
-                  <a:srgbClr val="FF0000"/>
-                </a:solidFill>
-              </a:rPr>
+              <a:rPr lang="en-US" sz="6000" b="1" i="1" dirty="0"/>
               <a:t>Na </a:t>
             </a:r>
             <a:r>
-              <a:rPr lang="en-US" sz="6000" b="1" i="1" dirty="0" err="1" smtClean="0">
-                <a:solidFill>
-                  <a:srgbClr val="FF0000"/>
-                </a:solidFill>
-              </a:rPr>
+              <a:rPr lang="en-US" sz="6000" b="1" i="1" dirty="0" err="1"/>
               <a:t>dia</a:t>
             </a:r>
             <a:r>
-              <a:rPr lang="en-US" sz="6000" b="1" i="1" dirty="0" smtClean="0">
-                <a:solidFill>
-                  <a:srgbClr val="FF0000"/>
-                </a:solidFill>
-              </a:rPr>
-              <a:t> </a:t>
-            </a:r>
-            <a:r>
-              <a:rPr lang="en-US" sz="6000" b="1" i="1" dirty="0" err="1" smtClean="0">
-                <a:solidFill>
-                  <a:srgbClr val="FF0000"/>
-                </a:solidFill>
-              </a:rPr>
+              <a:rPr lang="en-US" sz="6000" b="1" i="1" dirty="0"/>
+              <a:t> </a:t>
+            </a:r>
+            <a:r>
+              <a:rPr lang="en-US" sz="6000" b="1" i="1" dirty="0" err="1"/>
               <a:t>mahantra</a:t>
             </a:r>
             <a:r>
-              <a:rPr lang="en-US" sz="6000" b="1" i="1" dirty="0" smtClean="0">
-                <a:solidFill>
-                  <a:srgbClr val="FF0000"/>
-                </a:solidFill>
-              </a:rPr>
-              <a:t> </a:t>
-            </a:r>
-            <a:r>
-              <a:rPr lang="en-US" sz="6000" b="1" i="1" dirty="0" err="1" smtClean="0">
-                <a:solidFill>
-                  <a:srgbClr val="FF0000"/>
-                </a:solidFill>
-              </a:rPr>
+              <a:rPr lang="en-US" sz="6000" b="1" i="1" dirty="0"/>
+              <a:t> </a:t>
+            </a:r>
+            <a:r>
+              <a:rPr lang="en-US" sz="6000" b="1" i="1" dirty="0" err="1"/>
               <a:t>aza</a:t>
             </a:r>
             <a:r>
-              <a:rPr lang="en-US" sz="6000" b="1" i="1" dirty="0" smtClean="0">
-                <a:solidFill>
-                  <a:srgbClr val="FF0000"/>
-                </a:solidFill>
-              </a:rPr>
-              <a:t> </a:t>
-            </a:r>
-            <a:r>
-              <a:rPr lang="en-US" sz="6000" b="1" i="1" dirty="0" err="1" smtClean="0">
-                <a:solidFill>
-                  <a:srgbClr val="FF0000"/>
-                </a:solidFill>
-              </a:rPr>
+              <a:rPr lang="en-US" sz="6000" b="1" i="1" dirty="0"/>
+              <a:t> </a:t>
+            </a:r>
+            <a:r>
+              <a:rPr lang="en-US" sz="6000" b="1" i="1" dirty="0" err="1"/>
               <a:t>mbola</a:t>
             </a:r>
             <a:r>
-              <a:rPr lang="en-US" sz="6000" b="1" i="1" dirty="0" smtClean="0">
-                <a:solidFill>
-                  <a:srgbClr val="FF0000"/>
-                </a:solidFill>
-              </a:rPr>
-              <a:t> </a:t>
-            </a:r>
-            <a:r>
-              <a:rPr lang="en-US" sz="6000" b="1" i="1" dirty="0" err="1" smtClean="0">
-                <a:solidFill>
-                  <a:srgbClr val="FF0000"/>
-                </a:solidFill>
-              </a:rPr>
+              <a:rPr lang="en-US" sz="6000" b="1" i="1" dirty="0"/>
+              <a:t> </a:t>
+            </a:r>
+            <a:r>
+              <a:rPr lang="en-US" sz="6000" b="1" i="1" dirty="0" err="1"/>
               <a:t>manao</a:t>
             </a:r>
             <a:r>
-              <a:rPr lang="en-US" sz="6000" b="1" i="1" dirty="0" smtClean="0">
-                <a:solidFill>
-                  <a:srgbClr val="FF0000"/>
-                </a:solidFill>
-              </a:rPr>
+              <a:rPr lang="en-US" sz="6000" b="1" i="1" dirty="0"/>
               <a:t> hoe:</a:t>
             </a:r>
-            <a:endParaRPr lang="fr-FR" sz="6000" b="1" i="1" dirty="0" smtClean="0">
-              <a:solidFill>
-                <a:srgbClr val="FF0000"/>
-              </a:solidFill>
-            </a:endParaRPr>
+            <a:endParaRPr lang="fr-FR" sz="6000" b="1" i="1" dirty="0"/>
           </a:p>
           <a:p>
             <a:pPr algn="ctr"/>
             <a:r>
-              <a:rPr lang="en-US" sz="6000" b="1" i="1" dirty="0" err="1" smtClean="0">
-                <a:solidFill>
-                  <a:srgbClr val="FF0000"/>
-                </a:solidFill>
-              </a:rPr>
+              <a:rPr lang="en-US" sz="6000" b="1" i="1" dirty="0" err="1"/>
               <a:t>Faly</a:t>
             </a:r>
             <a:r>
-              <a:rPr lang="en-US" sz="6000" b="1" i="1" dirty="0" smtClean="0">
-                <a:solidFill>
-                  <a:srgbClr val="FF0000"/>
-                </a:solidFill>
-              </a:rPr>
-              <a:t> </a:t>
-            </a:r>
-            <a:r>
-              <a:rPr lang="en-US" sz="6000" b="1" i="1" dirty="0" err="1" smtClean="0">
-                <a:solidFill>
-                  <a:srgbClr val="FF0000"/>
-                </a:solidFill>
-              </a:rPr>
+              <a:rPr lang="en-US" sz="6000" b="1" i="1" dirty="0"/>
+              <a:t> </a:t>
+            </a:r>
+            <a:r>
+              <a:rPr lang="en-US" sz="6000" b="1" i="1" dirty="0" err="1"/>
               <a:t>ao</a:t>
             </a:r>
             <a:r>
-              <a:rPr lang="en-US" sz="6000" b="1" i="1" dirty="0" smtClean="0">
-                <a:solidFill>
-                  <a:srgbClr val="FF0000"/>
-                </a:solidFill>
-              </a:rPr>
-              <a:t> </a:t>
-            </a:r>
-            <a:r>
-              <a:rPr lang="en-US" sz="6000" b="1" i="1" dirty="0" err="1" smtClean="0">
-                <a:solidFill>
-                  <a:srgbClr val="FF0000"/>
-                </a:solidFill>
-              </a:rPr>
+              <a:rPr lang="en-US" sz="6000" b="1" i="1" dirty="0"/>
+              <a:t> </a:t>
+            </a:r>
+            <a:r>
+              <a:rPr lang="en-US" sz="6000" b="1" i="1" dirty="0" err="1"/>
               <a:t>Aminy</a:t>
             </a:r>
             <a:r>
-              <a:rPr lang="en-US" sz="6000" b="1" i="1" dirty="0" smtClean="0">
-                <a:solidFill>
-                  <a:srgbClr val="FF0000"/>
-                </a:solidFill>
-              </a:rPr>
+              <a:rPr lang="en-US" sz="6000" b="1" i="1" dirty="0"/>
               <a:t> re </a:t>
             </a:r>
             <a:r>
-              <a:rPr lang="en-US" sz="6000" b="1" i="1" dirty="0" err="1" smtClean="0">
-                <a:solidFill>
-                  <a:srgbClr val="FF0000"/>
-                </a:solidFill>
-              </a:rPr>
+              <a:rPr lang="en-US" sz="6000" b="1" i="1" dirty="0" err="1"/>
               <a:t>aho</a:t>
             </a:r>
-            <a:endParaRPr lang="fr-FR" sz="6000" b="1" i="1" dirty="0">
-              <a:solidFill>
-                <a:srgbClr val="FF0000"/>
-              </a:solidFill>
-            </a:endParaRPr>
+            <a:endParaRPr lang="fr-FR" sz="6000" b="1" i="1" dirty="0"/>
           </a:p>
         </p:txBody>
       </p:sp>
@@ -4652,13 +4221,6 @@
   <p:clrMapOvr>
     <a:masterClrMapping/>
   </p:clrMapOvr>
-  <p:timing>
-    <p:tnLst>
-      <p:par>
-        <p:cTn id="1" dur="indefinite" restart="never" nodeType="tmRoot"/>
-      </p:par>
-    </p:tnLst>
-  </p:timing>
 </p:sld>
 </file>
 
